--- a/第一周/SE2021-g005-PPT展示.pptx
+++ b/第一周/SE2021-g005-PPT展示.pptx
@@ -15963,34 +15963,6 @@
           </a:p>
         </p:txBody>
       </p:sp>
-      <p:pic>
-        <p:nvPicPr>
-          <p:cNvPr id="4" name="图片 3" descr="项目logo透明"/>
-          <p:cNvPicPr>
-            <a:picLocks noChangeAspect="1"/>
-          </p:cNvPicPr>
-          <p:nvPr>
-            <p:custDataLst>
-              <p:tags r:id="rId1"/>
-            </p:custDataLst>
-          </p:nvPr>
-        </p:nvPicPr>
-        <p:blipFill>
-          <a:blip r:embed="rId2"/>
-          <a:stretch>
-            <a:fillRect/>
-          </a:stretch>
-        </p:blipFill>
-        <p:spPr>
-          <a:xfrm>
-            <a:off x="5918835" y="-858520"/>
-            <a:ext cx="5912485" cy="6017895"/>
-          </a:xfrm>
-          <a:prstGeom prst="rect">
-            <a:avLst/>
-          </a:prstGeom>
-        </p:spPr>
-      </p:pic>
       <p:sp>
         <p:nvSpPr>
           <p:cNvPr id="5" name="标题 1"/>
@@ -16094,6 +16066,34 @@
           </a:p>
         </p:txBody>
       </p:sp>
+      <p:pic>
+        <p:nvPicPr>
+          <p:cNvPr id="6" name="图片 5" descr="项目logo透明"/>
+          <p:cNvPicPr>
+            <a:picLocks noChangeAspect="1"/>
+          </p:cNvPicPr>
+          <p:nvPr>
+            <p:custDataLst>
+              <p:tags r:id="rId1"/>
+            </p:custDataLst>
+          </p:nvPr>
+        </p:nvPicPr>
+        <p:blipFill>
+          <a:blip r:embed="rId2"/>
+          <a:stretch>
+            <a:fillRect/>
+          </a:stretch>
+        </p:blipFill>
+        <p:spPr>
+          <a:xfrm>
+            <a:off x="7634605" y="1255395"/>
+            <a:ext cx="1858645" cy="2251075"/>
+          </a:xfrm>
+          <a:prstGeom prst="rect">
+            <a:avLst/>
+          </a:prstGeom>
+        </p:spPr>
+      </p:pic>
     </p:spTree>
     <p:custDataLst>
       <p:tags r:id="rId3"/>
@@ -16786,34 +16786,6 @@
           </a:prstGeom>
         </p:spPr>
       </p:pic>
-      <p:pic>
-        <p:nvPicPr>
-          <p:cNvPr id="5" name="图片 4" descr="项目logo透明"/>
-          <p:cNvPicPr>
-            <a:picLocks noChangeAspect="1"/>
-          </p:cNvPicPr>
-          <p:nvPr>
-            <p:custDataLst>
-              <p:tags r:id="rId3"/>
-            </p:custDataLst>
-          </p:nvPr>
-        </p:nvPicPr>
-        <p:blipFill>
-          <a:blip r:embed="rId4"/>
-          <a:stretch>
-            <a:fillRect/>
-          </a:stretch>
-        </p:blipFill>
-        <p:spPr>
-          <a:xfrm>
-            <a:off x="11180445" y="5843270"/>
-            <a:ext cx="1231265" cy="1253490"/>
-          </a:xfrm>
-          <a:prstGeom prst="rect">
-            <a:avLst/>
-          </a:prstGeom>
-        </p:spPr>
-      </p:pic>
       <p:sp>
         <p:nvSpPr>
           <p:cNvPr id="6" name="文本框 5"/>
@@ -16904,6 +16876,34 @@
           </a:p>
         </p:txBody>
       </p:sp>
+      <p:pic>
+        <p:nvPicPr>
+          <p:cNvPr id="7" name="图片 6" descr="项目logo透明"/>
+          <p:cNvPicPr>
+            <a:picLocks noChangeAspect="1"/>
+          </p:cNvPicPr>
+          <p:nvPr>
+            <p:custDataLst>
+              <p:tags r:id="rId3"/>
+            </p:custDataLst>
+          </p:nvPr>
+        </p:nvPicPr>
+        <p:blipFill>
+          <a:blip r:embed="rId4"/>
+          <a:stretch>
+            <a:fillRect/>
+          </a:stretch>
+        </p:blipFill>
+        <p:spPr>
+          <a:xfrm>
+            <a:off x="11457305" y="6115685"/>
+            <a:ext cx="544195" cy="659765"/>
+          </a:xfrm>
+          <a:prstGeom prst="rect">
+            <a:avLst/>
+          </a:prstGeom>
+        </p:spPr>
+      </p:pic>
     </p:spTree>
     <p:custDataLst>
       <p:tags r:id="rId5"/>
@@ -17582,7 +17582,7 @@
       </p:sp>
       <p:pic>
         <p:nvPicPr>
-          <p:cNvPr id="4" name="图片 3" descr="项目logo透明"/>
+          <p:cNvPr id="7" name="图片 6" descr="项目logo透明"/>
           <p:cNvPicPr>
             <a:picLocks noChangeAspect="1"/>
           </p:cNvPicPr>
@@ -17600,8 +17600,8 @@
         </p:blipFill>
         <p:spPr>
           <a:xfrm>
-            <a:off x="11180445" y="5843270"/>
-            <a:ext cx="1231265" cy="1253490"/>
+            <a:off x="11457305" y="6115685"/>
+            <a:ext cx="544195" cy="659765"/>
           </a:xfrm>
           <a:prstGeom prst="rect">
             <a:avLst/>
@@ -17882,7 +17882,7 @@
       </p:sp>
       <p:pic>
         <p:nvPicPr>
-          <p:cNvPr id="4" name="图片 3" descr="项目logo透明"/>
+          <p:cNvPr id="7" name="图片 6" descr="项目logo透明"/>
           <p:cNvPicPr>
             <a:picLocks noChangeAspect="1"/>
           </p:cNvPicPr>
@@ -17900,8 +17900,8 @@
         </p:blipFill>
         <p:spPr>
           <a:xfrm>
-            <a:off x="11180445" y="5843270"/>
-            <a:ext cx="1231265" cy="1253490"/>
+            <a:off x="11457305" y="6115685"/>
+            <a:ext cx="544195" cy="659765"/>
           </a:xfrm>
           <a:prstGeom prst="rect">
             <a:avLst/>
@@ -18253,7 +18253,7 @@
       </p:sp>
       <p:pic>
         <p:nvPicPr>
-          <p:cNvPr id="4" name="图片 3" descr="项目logo透明"/>
+          <p:cNvPr id="7" name="图片 6" descr="项目logo透明"/>
           <p:cNvPicPr>
             <a:picLocks noChangeAspect="1"/>
           </p:cNvPicPr>
@@ -18271,8 +18271,8 @@
         </p:blipFill>
         <p:spPr>
           <a:xfrm>
-            <a:off x="11180445" y="5843270"/>
-            <a:ext cx="1231265" cy="1253490"/>
+            <a:off x="11457305" y="6115685"/>
+            <a:ext cx="544195" cy="659765"/>
           </a:xfrm>
           <a:prstGeom prst="rect">
             <a:avLst/>
@@ -21721,7 +21721,7 @@
 
 <file path=ppt/tags/tag302.xml><?xml version="1.0" encoding="utf-8"?>
 <p:tagLst xmlns:p="http://schemas.openxmlformats.org/presentationml/2006/main">
-  <p:tag name="KSO_WM_UNIT_PLACING_PICTURE_USER_VIEWPORT" val="{&quot;height&quot;:7127,&quot;width&quot;:7002}"/>
+  <p:tag name="KSO_WM_UNIT_PLACING_PICTURE_USER_VIEWPORT" val="{&quot;height&quot;:10800,&quot;width&quot;:8920}"/>
 </p:tagLst>
 </file>
 
@@ -21741,7 +21741,7 @@
 
 <file path=ppt/tags/tag305.xml><?xml version="1.0" encoding="utf-8"?>
 <p:tagLst xmlns:p="http://schemas.openxmlformats.org/presentationml/2006/main">
-  <p:tag name="KSO_WM_UNIT_PLACING_PICTURE_USER_VIEWPORT" val="{&quot;height&quot;:7127,&quot;width&quot;:7002}"/>
+  <p:tag name="KSO_WM_UNIT_PLACING_PICTURE_USER_VIEWPORT" val="{&quot;height&quot;:10800,&quot;width&quot;:8920}"/>
 </p:tagLst>
 </file>
 
@@ -21755,7 +21755,7 @@
 
 <file path=ppt/tags/tag307.xml><?xml version="1.0" encoding="utf-8"?>
 <p:tagLst xmlns:p="http://schemas.openxmlformats.org/presentationml/2006/main">
-  <p:tag name="KSO_WM_UNIT_PLACING_PICTURE_USER_VIEWPORT" val="{&quot;height&quot;:7127,&quot;width&quot;:7002}"/>
+  <p:tag name="KSO_WM_UNIT_PLACING_PICTURE_USER_VIEWPORT" val="{&quot;height&quot;:10800,&quot;width&quot;:8920}"/>
 </p:tagLst>
 </file>
 
@@ -21769,7 +21769,7 @@
 
 <file path=ppt/tags/tag309.xml><?xml version="1.0" encoding="utf-8"?>
 <p:tagLst xmlns:p="http://schemas.openxmlformats.org/presentationml/2006/main">
-  <p:tag name="KSO_WM_UNIT_PLACING_PICTURE_USER_VIEWPORT" val="{&quot;height&quot;:7127,&quot;width&quot;:7002}"/>
+  <p:tag name="KSO_WM_UNIT_PLACING_PICTURE_USER_VIEWPORT" val="{&quot;height&quot;:10800,&quot;width&quot;:8920}"/>
 </p:tagLst>
 </file>
 
@@ -21796,7 +21796,7 @@
 
 <file path=ppt/tags/tag311.xml><?xml version="1.0" encoding="utf-8"?>
 <p:tagLst xmlns:p="http://schemas.openxmlformats.org/presentationml/2006/main">
-  <p:tag name="KSO_WM_UNIT_PLACING_PICTURE_USER_VIEWPORT" val="{&quot;height&quot;:7127,&quot;width&quot;:7002}"/>
+  <p:tag name="KSO_WM_UNIT_PLACING_PICTURE_USER_VIEWPORT" val="{&quot;height&quot;:10800,&quot;width&quot;:8920}"/>
 </p:tagLst>
 </file>
 
